--- a/img/image.pptx
+++ b/img/image.pptx
@@ -104,6 +104,11 @@
       </a:defRPr>
     </a:lvl9pPr>
   </p:defaultTextStyle>
+  <p:extLst>
+    <p:ext uri="{EFAFB233-063F-42B5-8137-9DF3F51BA10A}">
+      <p15:sldGuideLst xmlns:p15="http://schemas.microsoft.com/office/powerpoint/2012/main"/>
+    </p:ext>
+  </p:extLst>
 </p:presentation>
 </file>
 
@@ -254,7 +259,7 @@
           <a:p>
             <a:fld id="{6061C068-4FA3-4E28-A6BF-5BD76C26CBCC}" type="datetimeFigureOut">
               <a:rPr kumimoji="1" lang="ja-JP" altLang="en-US" smtClean="0"/>
-              <a:t>2020/6/6</a:t>
+              <a:t>2020/6/8</a:t>
             </a:fld>
             <a:endParaRPr kumimoji="1" lang="ja-JP" altLang="en-US"/>
           </a:p>
@@ -484,7 +489,7 @@
           <a:p>
             <a:fld id="{6061C068-4FA3-4E28-A6BF-5BD76C26CBCC}" type="datetimeFigureOut">
               <a:rPr kumimoji="1" lang="ja-JP" altLang="en-US" smtClean="0"/>
-              <a:t>2020/6/6</a:t>
+              <a:t>2020/6/8</a:t>
             </a:fld>
             <a:endParaRPr kumimoji="1" lang="ja-JP" altLang="en-US"/>
           </a:p>
@@ -724,7 +729,7 @@
           <a:p>
             <a:fld id="{6061C068-4FA3-4E28-A6BF-5BD76C26CBCC}" type="datetimeFigureOut">
               <a:rPr kumimoji="1" lang="ja-JP" altLang="en-US" smtClean="0"/>
-              <a:t>2020/6/6</a:t>
+              <a:t>2020/6/8</a:t>
             </a:fld>
             <a:endParaRPr kumimoji="1" lang="ja-JP" altLang="en-US"/>
           </a:p>
@@ -954,7 +959,7 @@
           <a:p>
             <a:fld id="{6061C068-4FA3-4E28-A6BF-5BD76C26CBCC}" type="datetimeFigureOut">
               <a:rPr kumimoji="1" lang="ja-JP" altLang="en-US" smtClean="0"/>
-              <a:t>2020/6/6</a:t>
+              <a:t>2020/6/8</a:t>
             </a:fld>
             <a:endParaRPr kumimoji="1" lang="ja-JP" altLang="en-US"/>
           </a:p>
@@ -1229,7 +1234,7 @@
           <a:p>
             <a:fld id="{6061C068-4FA3-4E28-A6BF-5BD76C26CBCC}" type="datetimeFigureOut">
               <a:rPr kumimoji="1" lang="ja-JP" altLang="en-US" smtClean="0"/>
-              <a:t>2020/6/6</a:t>
+              <a:t>2020/6/8</a:t>
             </a:fld>
             <a:endParaRPr kumimoji="1" lang="ja-JP" altLang="en-US"/>
           </a:p>
@@ -1558,7 +1563,7 @@
           <a:p>
             <a:fld id="{6061C068-4FA3-4E28-A6BF-5BD76C26CBCC}" type="datetimeFigureOut">
               <a:rPr kumimoji="1" lang="ja-JP" altLang="en-US" smtClean="0"/>
-              <a:t>2020/6/6</a:t>
+              <a:t>2020/6/8</a:t>
             </a:fld>
             <a:endParaRPr kumimoji="1" lang="ja-JP" altLang="en-US"/>
           </a:p>
@@ -2034,7 +2039,7 @@
           <a:p>
             <a:fld id="{6061C068-4FA3-4E28-A6BF-5BD76C26CBCC}" type="datetimeFigureOut">
               <a:rPr kumimoji="1" lang="ja-JP" altLang="en-US" smtClean="0"/>
-              <a:t>2020/6/6</a:t>
+              <a:t>2020/6/8</a:t>
             </a:fld>
             <a:endParaRPr kumimoji="1" lang="ja-JP" altLang="en-US"/>
           </a:p>
@@ -2175,7 +2180,7 @@
           <a:p>
             <a:fld id="{6061C068-4FA3-4E28-A6BF-5BD76C26CBCC}" type="datetimeFigureOut">
               <a:rPr kumimoji="1" lang="ja-JP" altLang="en-US" smtClean="0"/>
-              <a:t>2020/6/6</a:t>
+              <a:t>2020/6/8</a:t>
             </a:fld>
             <a:endParaRPr kumimoji="1" lang="ja-JP" altLang="en-US"/>
           </a:p>
@@ -2288,7 +2293,7 @@
           <a:p>
             <a:fld id="{6061C068-4FA3-4E28-A6BF-5BD76C26CBCC}" type="datetimeFigureOut">
               <a:rPr kumimoji="1" lang="ja-JP" altLang="en-US" smtClean="0"/>
-              <a:t>2020/6/6</a:t>
+              <a:t>2020/6/8</a:t>
             </a:fld>
             <a:endParaRPr kumimoji="1" lang="ja-JP" altLang="en-US"/>
           </a:p>
@@ -2631,7 +2636,7 @@
           <a:p>
             <a:fld id="{6061C068-4FA3-4E28-A6BF-5BD76C26CBCC}" type="datetimeFigureOut">
               <a:rPr kumimoji="1" lang="ja-JP" altLang="en-US" smtClean="0"/>
-              <a:t>2020/6/6</a:t>
+              <a:t>2020/6/8</a:t>
             </a:fld>
             <a:endParaRPr kumimoji="1" lang="ja-JP" altLang="en-US"/>
           </a:p>
@@ -2919,7 +2924,7 @@
           <a:p>
             <a:fld id="{6061C068-4FA3-4E28-A6BF-5BD76C26CBCC}" type="datetimeFigureOut">
               <a:rPr kumimoji="1" lang="ja-JP" altLang="en-US" smtClean="0"/>
-              <a:t>2020/6/6</a:t>
+              <a:t>2020/6/8</a:t>
             </a:fld>
             <a:endParaRPr kumimoji="1" lang="ja-JP" altLang="en-US"/>
           </a:p>
@@ -3192,7 +3197,7 @@
           <a:p>
             <a:fld id="{6061C068-4FA3-4E28-A6BF-5BD76C26CBCC}" type="datetimeFigureOut">
               <a:rPr kumimoji="1" lang="ja-JP" altLang="en-US" smtClean="0"/>
-              <a:t>2020/6/6</a:t>
+              <a:t>2020/6/8</a:t>
             </a:fld>
             <a:endParaRPr kumimoji="1" lang="ja-JP" altLang="en-US"/>
           </a:p>
@@ -3609,6 +3614,53 @@
           <a:chExt cx="0" cy="0"/>
         </a:xfrm>
       </p:grpSpPr>
+      <p:cxnSp>
+        <p:nvCxnSpPr>
+          <p:cNvPr id="41" name="直線矢印コネクタ 40">
+            <a:extLst>
+              <a:ext uri="{FF2B5EF4-FFF2-40B4-BE49-F238E27FC236}">
+                <a16:creationId xmlns:a16="http://schemas.microsoft.com/office/drawing/2014/main" id="{BA7BD62B-5A87-4E10-8B5D-38271D271DC5}"/>
+              </a:ext>
+            </a:extLst>
+          </p:cNvPr>
+          <p:cNvCxnSpPr>
+            <a:cxnSpLocks/>
+          </p:cNvCxnSpPr>
+          <p:nvPr/>
+        </p:nvCxnSpPr>
+        <p:spPr>
+          <a:xfrm>
+            <a:off x="3316660" y="3967681"/>
+            <a:ext cx="4767256" cy="85725"/>
+          </a:xfrm>
+          <a:prstGeom prst="straightConnector1">
+            <a:avLst/>
+          </a:prstGeom>
+          <a:ln w="38100">
+            <a:solidFill>
+              <a:schemeClr val="accent2">
+                <a:lumMod val="60000"/>
+                <a:lumOff val="40000"/>
+              </a:schemeClr>
+            </a:solidFill>
+            <a:tailEnd type="triangle"/>
+          </a:ln>
+        </p:spPr>
+        <p:style>
+          <a:lnRef idx="1">
+            <a:schemeClr val="accent1"/>
+          </a:lnRef>
+          <a:fillRef idx="0">
+            <a:schemeClr val="accent1"/>
+          </a:fillRef>
+          <a:effectRef idx="0">
+            <a:schemeClr val="accent1"/>
+          </a:effectRef>
+          <a:fontRef idx="minor">
+            <a:schemeClr val="tx1"/>
+          </a:fontRef>
+        </p:style>
+      </p:cxnSp>
       <p:sp>
         <p:nvSpPr>
           <p:cNvPr id="8" name="楕円 7">
@@ -3632,7 +3684,7 @@
           <a:noFill/>
           <a:ln>
             <a:solidFill>
-              <a:schemeClr val="accent5">
+              <a:schemeClr val="accent2">
                 <a:lumMod val="20000"/>
                 <a:lumOff val="80000"/>
               </a:schemeClr>
@@ -3694,7 +3746,7 @@
           <a:noFill/>
           <a:ln>
             <a:solidFill>
-              <a:schemeClr val="accent5">
+              <a:schemeClr val="accent2">
                 <a:lumMod val="40000"/>
                 <a:lumOff val="60000"/>
               </a:schemeClr>
@@ -3749,7 +3801,7 @@
           <a:noFill/>
           <a:ln>
             <a:solidFill>
-              <a:schemeClr val="accent5">
+              <a:schemeClr val="accent2">
                 <a:lumMod val="60000"/>
                 <a:lumOff val="40000"/>
               </a:schemeClr>
@@ -3804,7 +3856,7 @@
           <a:noFill/>
           <a:ln>
             <a:solidFill>
-              <a:schemeClr val="accent5">
+              <a:schemeClr val="accent2">
                 <a:lumMod val="60000"/>
                 <a:lumOff val="40000"/>
               </a:schemeClr>
@@ -3859,7 +3911,7 @@
           <a:noFill/>
           <a:ln>
             <a:solidFill>
-              <a:schemeClr val="accent5">
+              <a:schemeClr val="accent2">
                 <a:lumMod val="60000"/>
                 <a:lumOff val="40000"/>
               </a:schemeClr>
@@ -3914,7 +3966,7 @@
           <a:noFill/>
           <a:ln>
             <a:solidFill>
-              <a:schemeClr val="accent5">
+              <a:schemeClr val="accent2">
                 <a:lumMod val="60000"/>
                 <a:lumOff val="40000"/>
               </a:schemeClr>
@@ -4278,7 +4330,7 @@
         </p:blipFill>
         <p:spPr bwMode="auto">
           <a:xfrm>
-            <a:off x="6310046" y="4409682"/>
+            <a:off x="6320869" y="4807397"/>
             <a:ext cx="771525" cy="1428750"/>
           </a:xfrm>
           <a:prstGeom prst="rect">
@@ -4310,7 +4362,7 @@
         </p:nvSpPr>
         <p:spPr>
           <a:xfrm>
-            <a:off x="5999145" y="4040350"/>
+            <a:off x="5988278" y="4502510"/>
             <a:ext cx="1393330" cy="369332"/>
           </a:xfrm>
           <a:prstGeom prst="rect">
@@ -4366,7 +4418,7 @@
           </a:prstGeom>
           <a:ln w="38100">
             <a:solidFill>
-              <a:schemeClr val="accent5">
+              <a:schemeClr val="accent6">
                 <a:lumMod val="60000"/>
                 <a:lumOff val="40000"/>
               </a:schemeClr>
@@ -4413,7 +4465,7 @@
           </a:prstGeom>
           <a:ln w="38100">
             <a:solidFill>
-              <a:schemeClr val="accent5">
+              <a:schemeClr val="accent6">
                 <a:lumMod val="60000"/>
                 <a:lumOff val="40000"/>
               </a:schemeClr>
@@ -4452,7 +4504,7 @@
         </p:nvCxnSpPr>
         <p:spPr>
           <a:xfrm flipH="1" flipV="1">
-            <a:off x="3205506" y="4040350"/>
+            <a:off x="3207984" y="4303512"/>
             <a:ext cx="2947432" cy="1160454"/>
           </a:xfrm>
           <a:prstGeom prst="straightConnector1">
@@ -4460,7 +4512,7 @@
           </a:prstGeom>
           <a:ln w="38100">
             <a:solidFill>
-              <a:schemeClr val="accent5">
+              <a:schemeClr val="accent6">
                 <a:lumMod val="60000"/>
                 <a:lumOff val="40000"/>
               </a:schemeClr>
@@ -4597,7 +4649,7 @@
         </p:nvSpPr>
         <p:spPr>
           <a:xfrm rot="1296726">
-            <a:off x="4317431" y="4402997"/>
+            <a:off x="4319909" y="4666159"/>
             <a:ext cx="1467068" cy="369332"/>
           </a:xfrm>
           <a:prstGeom prst="rect">
@@ -4625,6 +4677,742 @@
             <a:endParaRPr lang="ja-JP" altLang="en-US" b="1" dirty="0">
               <a:solidFill>
                 <a:schemeClr val="accent6">
+                  <a:lumMod val="60000"/>
+                  <a:lumOff val="40000"/>
+                </a:schemeClr>
+              </a:solidFill>
+            </a:endParaRPr>
+          </a:p>
+        </p:txBody>
+      </p:sp>
+      <p:sp>
+        <p:nvSpPr>
+          <p:cNvPr id="22" name="正方形/長方形 21">
+            <a:extLst>
+              <a:ext uri="{FF2B5EF4-FFF2-40B4-BE49-F238E27FC236}">
+                <a16:creationId xmlns:a16="http://schemas.microsoft.com/office/drawing/2014/main" id="{A50F03E2-9ACC-44BE-98C1-D9891D883CF1}"/>
+              </a:ext>
+            </a:extLst>
+          </p:cNvPr>
+          <p:cNvSpPr/>
+          <p:nvPr/>
+        </p:nvSpPr>
+        <p:spPr>
+          <a:xfrm>
+            <a:off x="1821673" y="2677872"/>
+            <a:ext cx="962122" cy="261610"/>
+          </a:xfrm>
+          <a:prstGeom prst="rect">
+            <a:avLst/>
+          </a:prstGeom>
+        </p:spPr>
+        <p:txBody>
+          <a:bodyPr wrap="none">
+            <a:spAutoFit/>
+          </a:bodyPr>
+          <a:lstStyle/>
+          <a:p>
+            <a:pPr algn="ctr"/>
+            <a:r>
+              <a:rPr lang="en-US" altLang="ja-JP" sz="1100" b="1" dirty="0">
+                <a:solidFill>
+                  <a:schemeClr val="accent2">
+                    <a:lumMod val="75000"/>
+                  </a:schemeClr>
+                </a:solidFill>
+              </a:rPr>
+              <a:t>192.168.1.A</a:t>
+            </a:r>
+            <a:endParaRPr lang="ja-JP" altLang="en-US" sz="1100" b="1" dirty="0">
+              <a:solidFill>
+                <a:schemeClr val="accent2">
+                  <a:lumMod val="75000"/>
+                </a:schemeClr>
+              </a:solidFill>
+            </a:endParaRPr>
+          </a:p>
+        </p:txBody>
+      </p:sp>
+      <p:sp>
+        <p:nvSpPr>
+          <p:cNvPr id="24" name="正方形/長方形 23">
+            <a:extLst>
+              <a:ext uri="{FF2B5EF4-FFF2-40B4-BE49-F238E27FC236}">
+                <a16:creationId xmlns:a16="http://schemas.microsoft.com/office/drawing/2014/main" id="{74B362AA-B119-47F5-9E3D-FF5833A482C6}"/>
+              </a:ext>
+            </a:extLst>
+          </p:cNvPr>
+          <p:cNvSpPr/>
+          <p:nvPr/>
+        </p:nvSpPr>
+        <p:spPr>
+          <a:xfrm>
+            <a:off x="4657634" y="3974804"/>
+            <a:ext cx="1467068" cy="369332"/>
+          </a:xfrm>
+          <a:prstGeom prst="rect">
+            <a:avLst/>
+          </a:prstGeom>
+        </p:spPr>
+        <p:txBody>
+          <a:bodyPr wrap="none">
+            <a:spAutoFit/>
+          </a:bodyPr>
+          <a:lstStyle/>
+          <a:p>
+            <a:pPr algn="ctr"/>
+            <a:r>
+              <a:rPr lang="en-US" altLang="ja-JP" b="1" dirty="0">
+                <a:solidFill>
+                  <a:schemeClr val="accent2">
+                    <a:lumMod val="60000"/>
+                    <a:lumOff val="40000"/>
+                  </a:schemeClr>
+                </a:solidFill>
+              </a:rPr>
+              <a:t>192.168.1.A</a:t>
+            </a:r>
+            <a:endParaRPr lang="ja-JP" altLang="en-US" b="1" dirty="0">
+              <a:solidFill>
+                <a:schemeClr val="accent2">
+                  <a:lumMod val="60000"/>
+                  <a:lumOff val="40000"/>
+                </a:schemeClr>
+              </a:solidFill>
+            </a:endParaRPr>
+          </a:p>
+        </p:txBody>
+      </p:sp>
+      <p:sp>
+        <p:nvSpPr>
+          <p:cNvPr id="33" name="正方形/長方形 32">
+            <a:extLst>
+              <a:ext uri="{FF2B5EF4-FFF2-40B4-BE49-F238E27FC236}">
+                <a16:creationId xmlns:a16="http://schemas.microsoft.com/office/drawing/2014/main" id="{39D223B0-649F-4F8B-B3B5-E3E8B53C2077}"/>
+              </a:ext>
+            </a:extLst>
+          </p:cNvPr>
+          <p:cNvSpPr/>
+          <p:nvPr/>
+        </p:nvSpPr>
+        <p:spPr>
+          <a:xfrm rot="1278434">
+            <a:off x="4166034" y="5087889"/>
+            <a:ext cx="1467068" cy="369332"/>
+          </a:xfrm>
+          <a:prstGeom prst="rect">
+            <a:avLst/>
+          </a:prstGeom>
+        </p:spPr>
+        <p:txBody>
+          <a:bodyPr wrap="none">
+            <a:spAutoFit/>
+          </a:bodyPr>
+          <a:lstStyle/>
+          <a:p>
+            <a:pPr algn="ctr"/>
+            <a:r>
+              <a:rPr lang="en-US" altLang="ja-JP" b="1" dirty="0">
+                <a:solidFill>
+                  <a:schemeClr val="accent2">
+                    <a:lumMod val="60000"/>
+                    <a:lumOff val="40000"/>
+                  </a:schemeClr>
+                </a:solidFill>
+              </a:rPr>
+              <a:t>192.168.1.A</a:t>
+            </a:r>
+            <a:endParaRPr lang="ja-JP" altLang="en-US" b="1" dirty="0">
+              <a:solidFill>
+                <a:schemeClr val="accent2">
+                  <a:lumMod val="60000"/>
+                  <a:lumOff val="40000"/>
+                </a:schemeClr>
+              </a:solidFill>
+            </a:endParaRPr>
+          </a:p>
+        </p:txBody>
+      </p:sp>
+      <p:sp>
+        <p:nvSpPr>
+          <p:cNvPr id="36" name="正方形/長方形 35">
+            <a:extLst>
+              <a:ext uri="{FF2B5EF4-FFF2-40B4-BE49-F238E27FC236}">
+                <a16:creationId xmlns:a16="http://schemas.microsoft.com/office/drawing/2014/main" id="{A74FC936-CF47-4A79-B464-326FE8B7AD11}"/>
+              </a:ext>
+            </a:extLst>
+          </p:cNvPr>
+          <p:cNvSpPr/>
+          <p:nvPr/>
+        </p:nvSpPr>
+        <p:spPr>
+          <a:xfrm>
+            <a:off x="6193810" y="4371033"/>
+            <a:ext cx="957313" cy="261610"/>
+          </a:xfrm>
+          <a:prstGeom prst="rect">
+            <a:avLst/>
+          </a:prstGeom>
+        </p:spPr>
+        <p:txBody>
+          <a:bodyPr wrap="none">
+            <a:spAutoFit/>
+          </a:bodyPr>
+          <a:lstStyle/>
+          <a:p>
+            <a:pPr algn="ctr"/>
+            <a:r>
+              <a:rPr lang="en-US" altLang="ja-JP" sz="1100" b="1" dirty="0">
+                <a:solidFill>
+                  <a:schemeClr val="accent6">
+                    <a:lumMod val="75000"/>
+                  </a:schemeClr>
+                </a:solidFill>
+              </a:rPr>
+              <a:t>192.168.1.Z</a:t>
+            </a:r>
+            <a:endParaRPr lang="ja-JP" altLang="en-US" sz="1100" b="1" dirty="0">
+              <a:solidFill>
+                <a:schemeClr val="accent6">
+                  <a:lumMod val="75000"/>
+                </a:schemeClr>
+              </a:solidFill>
+            </a:endParaRPr>
+          </a:p>
+        </p:txBody>
+      </p:sp>
+      <p:sp>
+        <p:nvSpPr>
+          <p:cNvPr id="37" name="正方形/長方形 36">
+            <a:extLst>
+              <a:ext uri="{FF2B5EF4-FFF2-40B4-BE49-F238E27FC236}">
+                <a16:creationId xmlns:a16="http://schemas.microsoft.com/office/drawing/2014/main" id="{FEA4D634-A223-4286-95B7-BFF0264CE415}"/>
+              </a:ext>
+            </a:extLst>
+          </p:cNvPr>
+          <p:cNvSpPr/>
+          <p:nvPr/>
+        </p:nvSpPr>
+        <p:spPr>
+          <a:xfrm>
+            <a:off x="8501553" y="3130767"/>
+            <a:ext cx="962123" cy="261610"/>
+          </a:xfrm>
+          <a:prstGeom prst="rect">
+            <a:avLst/>
+          </a:prstGeom>
+        </p:spPr>
+        <p:txBody>
+          <a:bodyPr wrap="none">
+            <a:spAutoFit/>
+          </a:bodyPr>
+          <a:lstStyle/>
+          <a:p>
+            <a:pPr algn="ctr"/>
+            <a:r>
+              <a:rPr lang="en-US" altLang="ja-JP" sz="1100" b="1" dirty="0">
+                <a:solidFill>
+                  <a:schemeClr val="accent6">
+                    <a:lumMod val="75000"/>
+                  </a:schemeClr>
+                </a:solidFill>
+              </a:rPr>
+              <a:t>192.168.1.Y</a:t>
+            </a:r>
+            <a:endParaRPr lang="ja-JP" altLang="en-US" sz="1100" b="1" dirty="0">
+              <a:solidFill>
+                <a:schemeClr val="accent6">
+                  <a:lumMod val="75000"/>
+                </a:schemeClr>
+              </a:solidFill>
+            </a:endParaRPr>
+          </a:p>
+        </p:txBody>
+      </p:sp>
+      <p:sp>
+        <p:nvSpPr>
+          <p:cNvPr id="38" name="正方形/長方形 37">
+            <a:extLst>
+              <a:ext uri="{FF2B5EF4-FFF2-40B4-BE49-F238E27FC236}">
+                <a16:creationId xmlns:a16="http://schemas.microsoft.com/office/drawing/2014/main" id="{A2A21289-6C9F-4D49-B22B-6E52345583D5}"/>
+              </a:ext>
+            </a:extLst>
+          </p:cNvPr>
+          <p:cNvSpPr/>
+          <p:nvPr/>
+        </p:nvSpPr>
+        <p:spPr>
+          <a:xfrm>
+            <a:off x="6255255" y="1037365"/>
+            <a:ext cx="962123" cy="261610"/>
+          </a:xfrm>
+          <a:prstGeom prst="rect">
+            <a:avLst/>
+          </a:prstGeom>
+        </p:spPr>
+        <p:txBody>
+          <a:bodyPr wrap="none">
+            <a:spAutoFit/>
+          </a:bodyPr>
+          <a:lstStyle/>
+          <a:p>
+            <a:pPr algn="ctr"/>
+            <a:r>
+              <a:rPr lang="en-US" altLang="ja-JP" sz="1100" b="1" dirty="0">
+                <a:solidFill>
+                  <a:schemeClr val="accent6">
+                    <a:lumMod val="75000"/>
+                  </a:schemeClr>
+                </a:solidFill>
+              </a:rPr>
+              <a:t>192.168.1.X</a:t>
+            </a:r>
+            <a:endParaRPr lang="ja-JP" altLang="en-US" sz="1100" b="1" dirty="0">
+              <a:solidFill>
+                <a:schemeClr val="accent6">
+                  <a:lumMod val="75000"/>
+                </a:schemeClr>
+              </a:solidFill>
+            </a:endParaRPr>
+          </a:p>
+        </p:txBody>
+      </p:sp>
+      <p:sp>
+        <p:nvSpPr>
+          <p:cNvPr id="39" name="正方形/長方形 38">
+            <a:extLst>
+              <a:ext uri="{FF2B5EF4-FFF2-40B4-BE49-F238E27FC236}">
+                <a16:creationId xmlns:a16="http://schemas.microsoft.com/office/drawing/2014/main" id="{F642694F-6B02-4B5D-A1FA-51826AAE5EDF}"/>
+              </a:ext>
+            </a:extLst>
+          </p:cNvPr>
+          <p:cNvSpPr/>
+          <p:nvPr/>
+        </p:nvSpPr>
+        <p:spPr>
+          <a:xfrm rot="19710937">
+            <a:off x="3967828" y="2926376"/>
+            <a:ext cx="1467068" cy="369332"/>
+          </a:xfrm>
+          <a:prstGeom prst="rect">
+            <a:avLst/>
+          </a:prstGeom>
+        </p:spPr>
+        <p:txBody>
+          <a:bodyPr wrap="none">
+            <a:spAutoFit/>
+          </a:bodyPr>
+          <a:lstStyle/>
+          <a:p>
+            <a:pPr algn="ctr"/>
+            <a:r>
+              <a:rPr lang="en-US" altLang="ja-JP" b="1" dirty="0">
+                <a:solidFill>
+                  <a:schemeClr val="accent2">
+                    <a:lumMod val="60000"/>
+                    <a:lumOff val="40000"/>
+                  </a:schemeClr>
+                </a:solidFill>
+              </a:rPr>
+              <a:t>192.168.1.A</a:t>
+            </a:r>
+            <a:endParaRPr lang="ja-JP" altLang="en-US" b="1" dirty="0">
+              <a:solidFill>
+                <a:schemeClr val="accent2">
+                  <a:lumMod val="60000"/>
+                  <a:lumOff val="40000"/>
+                </a:schemeClr>
+              </a:solidFill>
+            </a:endParaRPr>
+          </a:p>
+        </p:txBody>
+      </p:sp>
+      <p:cxnSp>
+        <p:nvCxnSpPr>
+          <p:cNvPr id="40" name="直線矢印コネクタ 39">
+            <a:extLst>
+              <a:ext uri="{FF2B5EF4-FFF2-40B4-BE49-F238E27FC236}">
+                <a16:creationId xmlns:a16="http://schemas.microsoft.com/office/drawing/2014/main" id="{462AB78D-912B-4393-B36F-1D3563E83804}"/>
+              </a:ext>
+            </a:extLst>
+          </p:cNvPr>
+          <p:cNvCxnSpPr>
+            <a:cxnSpLocks/>
+          </p:cNvCxnSpPr>
+          <p:nvPr/>
+        </p:nvCxnSpPr>
+        <p:spPr>
+          <a:xfrm>
+            <a:off x="3230124" y="4401503"/>
+            <a:ext cx="2947432" cy="1160454"/>
+          </a:xfrm>
+          <a:prstGeom prst="straightConnector1">
+            <a:avLst/>
+          </a:prstGeom>
+          <a:ln w="38100">
+            <a:solidFill>
+              <a:schemeClr val="accent2">
+                <a:lumMod val="60000"/>
+                <a:lumOff val="40000"/>
+              </a:schemeClr>
+            </a:solidFill>
+            <a:tailEnd type="triangle"/>
+          </a:ln>
+        </p:spPr>
+        <p:style>
+          <a:lnRef idx="1">
+            <a:schemeClr val="accent1"/>
+          </a:lnRef>
+          <a:fillRef idx="0">
+            <a:schemeClr val="accent1"/>
+          </a:fillRef>
+          <a:effectRef idx="0">
+            <a:schemeClr val="accent1"/>
+          </a:effectRef>
+          <a:fontRef idx="minor">
+            <a:schemeClr val="tx1"/>
+          </a:fontRef>
+        </p:style>
+      </p:cxnSp>
+      <p:cxnSp>
+        <p:nvCxnSpPr>
+          <p:cNvPr id="42" name="直線矢印コネクタ 41">
+            <a:extLst>
+              <a:ext uri="{FF2B5EF4-FFF2-40B4-BE49-F238E27FC236}">
+                <a16:creationId xmlns:a16="http://schemas.microsoft.com/office/drawing/2014/main" id="{3D72B84A-041D-464D-9EF8-A590B8A9A0B2}"/>
+              </a:ext>
+            </a:extLst>
+          </p:cNvPr>
+          <p:cNvCxnSpPr>
+            <a:cxnSpLocks/>
+          </p:cNvCxnSpPr>
+          <p:nvPr/>
+        </p:nvCxnSpPr>
+        <p:spPr>
+          <a:xfrm flipV="1">
+            <a:off x="3227646" y="2228733"/>
+            <a:ext cx="2600325" cy="1562100"/>
+          </a:xfrm>
+          <a:prstGeom prst="straightConnector1">
+            <a:avLst/>
+          </a:prstGeom>
+          <a:ln w="38100">
+            <a:solidFill>
+              <a:schemeClr val="accent2">
+                <a:lumMod val="60000"/>
+                <a:lumOff val="40000"/>
+              </a:schemeClr>
+            </a:solidFill>
+            <a:tailEnd type="triangle"/>
+          </a:ln>
+        </p:spPr>
+        <p:style>
+          <a:lnRef idx="1">
+            <a:schemeClr val="accent1"/>
+          </a:lnRef>
+          <a:fillRef idx="0">
+            <a:schemeClr val="accent1"/>
+          </a:fillRef>
+          <a:effectRef idx="0">
+            <a:schemeClr val="accent1"/>
+          </a:effectRef>
+          <a:fontRef idx="minor">
+            <a:schemeClr val="tx1"/>
+          </a:fontRef>
+        </p:style>
+      </p:cxnSp>
+      <p:sp>
+        <p:nvSpPr>
+          <p:cNvPr id="43" name="正方形/長方形 42">
+            <a:extLst>
+              <a:ext uri="{FF2B5EF4-FFF2-40B4-BE49-F238E27FC236}">
+                <a16:creationId xmlns:a16="http://schemas.microsoft.com/office/drawing/2014/main" id="{D13DE481-EE82-424A-AD56-BC17DE91BDC7}"/>
+              </a:ext>
+            </a:extLst>
+          </p:cNvPr>
+          <p:cNvSpPr/>
+          <p:nvPr/>
+        </p:nvSpPr>
+        <p:spPr>
+          <a:xfrm rot="19696749">
+            <a:off x="3947828" y="2421836"/>
+            <a:ext cx="708848" cy="261610"/>
+          </a:xfrm>
+          <a:prstGeom prst="rect">
+            <a:avLst/>
+          </a:prstGeom>
+        </p:spPr>
+        <p:txBody>
+          <a:bodyPr wrap="none">
+            <a:spAutoFit/>
+          </a:bodyPr>
+          <a:lstStyle/>
+          <a:p>
+            <a:pPr algn="ctr"/>
+            <a:r>
+              <a:rPr lang="en-US" altLang="ja-JP" sz="1100" b="1" dirty="0">
+                <a:solidFill>
+                  <a:schemeClr val="accent6">
+                    <a:lumMod val="60000"/>
+                    <a:lumOff val="40000"/>
+                  </a:schemeClr>
+                </a:solidFill>
+              </a:rPr>
+              <a:t>Unicast</a:t>
+            </a:r>
+            <a:endParaRPr lang="ja-JP" altLang="en-US" sz="1100" b="1" dirty="0">
+              <a:solidFill>
+                <a:schemeClr val="accent6">
+                  <a:lumMod val="60000"/>
+                  <a:lumOff val="40000"/>
+                </a:schemeClr>
+              </a:solidFill>
+            </a:endParaRPr>
+          </a:p>
+        </p:txBody>
+      </p:sp>
+      <p:sp>
+        <p:nvSpPr>
+          <p:cNvPr id="44" name="正方形/長方形 43">
+            <a:extLst>
+              <a:ext uri="{FF2B5EF4-FFF2-40B4-BE49-F238E27FC236}">
+                <a16:creationId xmlns:a16="http://schemas.microsoft.com/office/drawing/2014/main" id="{3BD84A1E-491C-47E3-AFA6-6EF05C02B2D9}"/>
+              </a:ext>
+            </a:extLst>
+          </p:cNvPr>
+          <p:cNvSpPr/>
+          <p:nvPr/>
+        </p:nvSpPr>
+        <p:spPr>
+          <a:xfrm rot="19696749">
+            <a:off x="4277239" y="3186789"/>
+            <a:ext cx="880369" cy="261610"/>
+          </a:xfrm>
+          <a:prstGeom prst="rect">
+            <a:avLst/>
+          </a:prstGeom>
+        </p:spPr>
+        <p:txBody>
+          <a:bodyPr wrap="none">
+            <a:spAutoFit/>
+          </a:bodyPr>
+          <a:lstStyle/>
+          <a:p>
+            <a:pPr algn="ctr"/>
+            <a:r>
+              <a:rPr lang="en-US" altLang="ja-JP" sz="1100" b="1" dirty="0">
+                <a:solidFill>
+                  <a:schemeClr val="accent2">
+                    <a:lumMod val="60000"/>
+                    <a:lumOff val="40000"/>
+                  </a:schemeClr>
+                </a:solidFill>
+              </a:rPr>
+              <a:t>Broadcast</a:t>
+            </a:r>
+            <a:endParaRPr lang="ja-JP" altLang="en-US" sz="1100" b="1" dirty="0">
+              <a:solidFill>
+                <a:schemeClr val="accent2">
+                  <a:lumMod val="60000"/>
+                  <a:lumOff val="40000"/>
+                </a:schemeClr>
+              </a:solidFill>
+            </a:endParaRPr>
+          </a:p>
+        </p:txBody>
+      </p:sp>
+      <p:sp>
+        <p:nvSpPr>
+          <p:cNvPr id="45" name="正方形/長方形 44">
+            <a:extLst>
+              <a:ext uri="{FF2B5EF4-FFF2-40B4-BE49-F238E27FC236}">
+                <a16:creationId xmlns:a16="http://schemas.microsoft.com/office/drawing/2014/main" id="{FD3C2439-4C12-4E69-8994-252F6CD4CA3A}"/>
+              </a:ext>
+            </a:extLst>
+          </p:cNvPr>
+          <p:cNvSpPr/>
+          <p:nvPr/>
+        </p:nvSpPr>
+        <p:spPr>
+          <a:xfrm>
+            <a:off x="4999321" y="4195910"/>
+            <a:ext cx="880369" cy="261610"/>
+          </a:xfrm>
+          <a:prstGeom prst="rect">
+            <a:avLst/>
+          </a:prstGeom>
+        </p:spPr>
+        <p:txBody>
+          <a:bodyPr wrap="none">
+            <a:spAutoFit/>
+          </a:bodyPr>
+          <a:lstStyle/>
+          <a:p>
+            <a:pPr algn="ctr"/>
+            <a:r>
+              <a:rPr lang="en-US" altLang="ja-JP" sz="1100" b="1" dirty="0">
+                <a:solidFill>
+                  <a:schemeClr val="accent2">
+                    <a:lumMod val="60000"/>
+                    <a:lumOff val="40000"/>
+                  </a:schemeClr>
+                </a:solidFill>
+              </a:rPr>
+              <a:t>Broadcast</a:t>
+            </a:r>
+            <a:endParaRPr lang="ja-JP" altLang="en-US" sz="1100" b="1" dirty="0">
+              <a:solidFill>
+                <a:schemeClr val="accent2">
+                  <a:lumMod val="60000"/>
+                  <a:lumOff val="40000"/>
+                </a:schemeClr>
+              </a:solidFill>
+            </a:endParaRPr>
+          </a:p>
+        </p:txBody>
+      </p:sp>
+      <p:sp>
+        <p:nvSpPr>
+          <p:cNvPr id="46" name="正方形/長方形 45">
+            <a:extLst>
+              <a:ext uri="{FF2B5EF4-FFF2-40B4-BE49-F238E27FC236}">
+                <a16:creationId xmlns:a16="http://schemas.microsoft.com/office/drawing/2014/main" id="{4E55F654-E92C-4833-B57C-881CCCBA7DAE}"/>
+              </a:ext>
+            </a:extLst>
+          </p:cNvPr>
+          <p:cNvSpPr/>
+          <p:nvPr/>
+        </p:nvSpPr>
+        <p:spPr>
+          <a:xfrm>
+            <a:off x="5091627" y="3455061"/>
+            <a:ext cx="708848" cy="261610"/>
+          </a:xfrm>
+          <a:prstGeom prst="rect">
+            <a:avLst/>
+          </a:prstGeom>
+        </p:spPr>
+        <p:txBody>
+          <a:bodyPr wrap="none">
+            <a:spAutoFit/>
+          </a:bodyPr>
+          <a:lstStyle/>
+          <a:p>
+            <a:pPr algn="ctr"/>
+            <a:r>
+              <a:rPr lang="en-US" altLang="ja-JP" sz="1100" b="1" dirty="0">
+                <a:solidFill>
+                  <a:schemeClr val="accent6">
+                    <a:lumMod val="60000"/>
+                    <a:lumOff val="40000"/>
+                  </a:schemeClr>
+                </a:solidFill>
+              </a:rPr>
+              <a:t>Unicast</a:t>
+            </a:r>
+            <a:endParaRPr lang="ja-JP" altLang="en-US" sz="1100" b="1" dirty="0">
+              <a:solidFill>
+                <a:schemeClr val="accent6">
+                  <a:lumMod val="60000"/>
+                  <a:lumOff val="40000"/>
+                </a:schemeClr>
+              </a:solidFill>
+            </a:endParaRPr>
+          </a:p>
+        </p:txBody>
+      </p:sp>
+      <p:sp>
+        <p:nvSpPr>
+          <p:cNvPr id="47" name="正方形/長方形 46">
+            <a:extLst>
+              <a:ext uri="{FF2B5EF4-FFF2-40B4-BE49-F238E27FC236}">
+                <a16:creationId xmlns:a16="http://schemas.microsoft.com/office/drawing/2014/main" id="{4BDD8F8F-CF27-4254-A215-601F8C378824}"/>
+              </a:ext>
+            </a:extLst>
+          </p:cNvPr>
+          <p:cNvSpPr/>
+          <p:nvPr/>
+        </p:nvSpPr>
+        <p:spPr>
+          <a:xfrm rot="1291371">
+            <a:off x="4815235" y="4535209"/>
+            <a:ext cx="708848" cy="261610"/>
+          </a:xfrm>
+          <a:prstGeom prst="rect">
+            <a:avLst/>
+          </a:prstGeom>
+        </p:spPr>
+        <p:txBody>
+          <a:bodyPr wrap="none">
+            <a:spAutoFit/>
+          </a:bodyPr>
+          <a:lstStyle/>
+          <a:p>
+            <a:pPr algn="ctr"/>
+            <a:r>
+              <a:rPr lang="en-US" altLang="ja-JP" sz="1100" b="1" dirty="0">
+                <a:solidFill>
+                  <a:schemeClr val="accent6">
+                    <a:lumMod val="60000"/>
+                    <a:lumOff val="40000"/>
+                  </a:schemeClr>
+                </a:solidFill>
+              </a:rPr>
+              <a:t>Unicast</a:t>
+            </a:r>
+            <a:endParaRPr lang="ja-JP" altLang="en-US" sz="1100" b="1" dirty="0">
+              <a:solidFill>
+                <a:schemeClr val="accent6">
+                  <a:lumMod val="60000"/>
+                  <a:lumOff val="40000"/>
+                </a:schemeClr>
+              </a:solidFill>
+            </a:endParaRPr>
+          </a:p>
+        </p:txBody>
+      </p:sp>
+      <p:sp>
+        <p:nvSpPr>
+          <p:cNvPr id="48" name="正方形/長方形 47">
+            <a:extLst>
+              <a:ext uri="{FF2B5EF4-FFF2-40B4-BE49-F238E27FC236}">
+                <a16:creationId xmlns:a16="http://schemas.microsoft.com/office/drawing/2014/main" id="{3FBC2C28-1140-401E-A5A3-2AC58299148B}"/>
+              </a:ext>
+            </a:extLst>
+          </p:cNvPr>
+          <p:cNvSpPr/>
+          <p:nvPr/>
+        </p:nvSpPr>
+        <p:spPr>
+          <a:xfrm rot="1291371">
+            <a:off x="4435976" y="5334644"/>
+            <a:ext cx="880369" cy="261610"/>
+          </a:xfrm>
+          <a:prstGeom prst="rect">
+            <a:avLst/>
+          </a:prstGeom>
+        </p:spPr>
+        <p:txBody>
+          <a:bodyPr wrap="none">
+            <a:spAutoFit/>
+          </a:bodyPr>
+          <a:lstStyle/>
+          <a:p>
+            <a:pPr algn="ctr"/>
+            <a:r>
+              <a:rPr lang="en-US" altLang="ja-JP" sz="1100" b="1" dirty="0">
+                <a:solidFill>
+                  <a:schemeClr val="accent2">
+                    <a:lumMod val="60000"/>
+                    <a:lumOff val="40000"/>
+                  </a:schemeClr>
+                </a:solidFill>
+              </a:rPr>
+              <a:t>Broadcast</a:t>
+            </a:r>
+            <a:endParaRPr lang="ja-JP" altLang="en-US" sz="1100" b="1" dirty="0">
+              <a:solidFill>
+                <a:schemeClr val="accent2">
                   <a:lumMod val="60000"/>
                   <a:lumOff val="40000"/>
                 </a:schemeClr>

--- a/img/image.pptx
+++ b/img/image.pptx
@@ -6,6 +6,8 @@
   </p:sldMasterIdLst>
   <p:sldIdLst>
     <p:sldId id="256" r:id="rId2"/>
+    <p:sldId id="257" r:id="rId3"/>
+    <p:sldId id="258" r:id="rId4"/>
   </p:sldIdLst>
   <p:sldSz cx="12192000" cy="6858000"/>
   <p:notesSz cx="6858000" cy="9144000"/>
@@ -5434,6 +5436,1131 @@
 </p:sld>
 </file>
 
+<file path=ppt/slides/slide2.xml><?xml version="1.0" encoding="utf-8"?>
+<p:sld xmlns:a="http://schemas.openxmlformats.org/drawingml/2006/main" xmlns:r="http://schemas.openxmlformats.org/officeDocument/2006/relationships" xmlns:p="http://schemas.openxmlformats.org/presentationml/2006/main">
+  <p:cSld>
+    <p:spTree>
+      <p:nvGrpSpPr>
+        <p:cNvPr id="1" name=""/>
+        <p:cNvGrpSpPr/>
+        <p:nvPr/>
+      </p:nvGrpSpPr>
+      <p:grpSpPr>
+        <a:xfrm>
+          <a:off x="0" y="0"/>
+          <a:ext cx="0" cy="0"/>
+          <a:chOff x="0" y="0"/>
+          <a:chExt cx="0" cy="0"/>
+        </a:xfrm>
+      </p:grpSpPr>
+      <p:pic>
+        <p:nvPicPr>
+          <p:cNvPr id="5" name="図 4">
+            <a:extLst>
+              <a:ext uri="{FF2B5EF4-FFF2-40B4-BE49-F238E27FC236}">
+                <a16:creationId xmlns:a16="http://schemas.microsoft.com/office/drawing/2014/main" id="{F635CC7E-63E1-4B83-881E-A4CECECD52BE}"/>
+              </a:ext>
+            </a:extLst>
+          </p:cNvPr>
+          <p:cNvPicPr>
+            <a:picLocks noChangeAspect="1"/>
+          </p:cNvPicPr>
+          <p:nvPr/>
+        </p:nvPicPr>
+        <p:blipFill>
+          <a:blip r:embed="rId2"/>
+          <a:stretch>
+            <a:fillRect/>
+          </a:stretch>
+        </p:blipFill>
+        <p:spPr>
+          <a:xfrm>
+            <a:off x="916847" y="2271013"/>
+            <a:ext cx="5257800" cy="2466975"/>
+          </a:xfrm>
+          <a:prstGeom prst="rect">
+            <a:avLst/>
+          </a:prstGeom>
+        </p:spPr>
+      </p:pic>
+      <p:sp>
+        <p:nvSpPr>
+          <p:cNvPr id="6" name="テキスト ボックス 5">
+            <a:extLst>
+              <a:ext uri="{FF2B5EF4-FFF2-40B4-BE49-F238E27FC236}">
+                <a16:creationId xmlns:a16="http://schemas.microsoft.com/office/drawing/2014/main" id="{ED1510B6-625A-4384-A2B2-95D753BD7CED}"/>
+              </a:ext>
+            </a:extLst>
+          </p:cNvPr>
+          <p:cNvSpPr txBox="1"/>
+          <p:nvPr/>
+        </p:nvSpPr>
+        <p:spPr>
+          <a:xfrm>
+            <a:off x="6174647" y="2785145"/>
+            <a:ext cx="3506598" cy="276999"/>
+          </a:xfrm>
+          <a:prstGeom prst="rect">
+            <a:avLst/>
+          </a:prstGeom>
+          <a:noFill/>
+        </p:spPr>
+        <p:txBody>
+          <a:bodyPr wrap="square" rtlCol="0">
+            <a:spAutoFit/>
+          </a:bodyPr>
+          <a:lstStyle/>
+          <a:p>
+            <a:r>
+              <a:rPr kumimoji="1" lang="ja-JP" altLang="en-US" sz="1200" dirty="0"/>
+              <a:t>探索応答に使用するポート</a:t>
+            </a:r>
+          </a:p>
+        </p:txBody>
+      </p:sp>
+      <p:sp>
+        <p:nvSpPr>
+          <p:cNvPr id="7" name="テキスト ボックス 6">
+            <a:extLst>
+              <a:ext uri="{FF2B5EF4-FFF2-40B4-BE49-F238E27FC236}">
+                <a16:creationId xmlns:a16="http://schemas.microsoft.com/office/drawing/2014/main" id="{2495E242-ADA0-49A9-9346-2B1C761E4266}"/>
+              </a:ext>
+            </a:extLst>
+          </p:cNvPr>
+          <p:cNvSpPr txBox="1"/>
+          <p:nvPr/>
+        </p:nvSpPr>
+        <p:spPr>
+          <a:xfrm>
+            <a:off x="6176045" y="3172436"/>
+            <a:ext cx="3506598" cy="276999"/>
+          </a:xfrm>
+          <a:prstGeom prst="rect">
+            <a:avLst/>
+          </a:prstGeom>
+          <a:noFill/>
+        </p:spPr>
+        <p:txBody>
+          <a:bodyPr wrap="square" rtlCol="0">
+            <a:spAutoFit/>
+          </a:bodyPr>
+          <a:lstStyle/>
+          <a:p>
+            <a:r>
+              <a:rPr kumimoji="1" lang="ja-JP" altLang="en-US" sz="1200" dirty="0"/>
+              <a:t>探索応答の際に返すデバイス名</a:t>
+            </a:r>
+          </a:p>
+        </p:txBody>
+      </p:sp>
+      <p:sp>
+        <p:nvSpPr>
+          <p:cNvPr id="8" name="テキスト ボックス 7">
+            <a:extLst>
+              <a:ext uri="{FF2B5EF4-FFF2-40B4-BE49-F238E27FC236}">
+                <a16:creationId xmlns:a16="http://schemas.microsoft.com/office/drawing/2014/main" id="{47983349-06DF-485C-988E-D7AECF5F5095}"/>
+              </a:ext>
+            </a:extLst>
+          </p:cNvPr>
+          <p:cNvSpPr txBox="1"/>
+          <p:nvPr/>
+        </p:nvSpPr>
+        <p:spPr>
+          <a:xfrm>
+            <a:off x="6174647" y="3366000"/>
+            <a:ext cx="5368604" cy="276999"/>
+          </a:xfrm>
+          <a:prstGeom prst="rect">
+            <a:avLst/>
+          </a:prstGeom>
+          <a:noFill/>
+        </p:spPr>
+        <p:txBody>
+          <a:bodyPr wrap="square" rtlCol="0">
+            <a:spAutoFit/>
+          </a:bodyPr>
+          <a:lstStyle/>
+          <a:p>
+            <a:r>
+              <a:rPr kumimoji="1" lang="ja-JP" altLang="en-US" sz="1200" dirty="0"/>
+              <a:t>探索応答の際に返す「アプリケーションで使ってほしいポート番号」</a:t>
+            </a:r>
+          </a:p>
+        </p:txBody>
+      </p:sp>
+      <p:sp>
+        <p:nvSpPr>
+          <p:cNvPr id="9" name="テキスト ボックス 8">
+            <a:extLst>
+              <a:ext uri="{FF2B5EF4-FFF2-40B4-BE49-F238E27FC236}">
+                <a16:creationId xmlns:a16="http://schemas.microsoft.com/office/drawing/2014/main" id="{4D4F9A6E-CCA6-487C-8E66-C2190948D07E}"/>
+              </a:ext>
+            </a:extLst>
+          </p:cNvPr>
+          <p:cNvSpPr txBox="1"/>
+          <p:nvPr/>
+        </p:nvSpPr>
+        <p:spPr>
+          <a:xfrm>
+            <a:off x="6174647" y="3753291"/>
+            <a:ext cx="5368604" cy="276999"/>
+          </a:xfrm>
+          <a:prstGeom prst="rect">
+            <a:avLst/>
+          </a:prstGeom>
+          <a:noFill/>
+        </p:spPr>
+        <p:txBody>
+          <a:bodyPr wrap="square" rtlCol="0">
+            <a:spAutoFit/>
+          </a:bodyPr>
+          <a:lstStyle/>
+          <a:p>
+            <a:r>
+              <a:rPr kumimoji="1" lang="ja-JP" altLang="en-US" sz="1200" dirty="0"/>
+              <a:t>要求者の</a:t>
+            </a:r>
+            <a:r>
+              <a:rPr kumimoji="1" lang="en-US" altLang="ja-JP" sz="1200" dirty="0"/>
+              <a:t>IP</a:t>
+            </a:r>
+            <a:r>
+              <a:rPr kumimoji="1" lang="ja-JP" altLang="en-US" sz="1200" dirty="0"/>
+              <a:t>アドレス</a:t>
+            </a:r>
+          </a:p>
+        </p:txBody>
+      </p:sp>
+      <p:sp>
+        <p:nvSpPr>
+          <p:cNvPr id="10" name="テキスト ボックス 9">
+            <a:extLst>
+              <a:ext uri="{FF2B5EF4-FFF2-40B4-BE49-F238E27FC236}">
+                <a16:creationId xmlns:a16="http://schemas.microsoft.com/office/drawing/2014/main" id="{0788BA6B-1D37-4031-8532-E7D2898A82A0}"/>
+              </a:ext>
+            </a:extLst>
+          </p:cNvPr>
+          <p:cNvSpPr txBox="1"/>
+          <p:nvPr/>
+        </p:nvSpPr>
+        <p:spPr>
+          <a:xfrm>
+            <a:off x="6174647" y="3946855"/>
+            <a:ext cx="5368604" cy="276999"/>
+          </a:xfrm>
+          <a:prstGeom prst="rect">
+            <a:avLst/>
+          </a:prstGeom>
+          <a:noFill/>
+        </p:spPr>
+        <p:txBody>
+          <a:bodyPr wrap="square" rtlCol="0">
+            <a:spAutoFit/>
+          </a:bodyPr>
+          <a:lstStyle/>
+          <a:p>
+            <a:r>
+              <a:rPr kumimoji="1" lang="ja-JP" altLang="en-US" sz="1200" dirty="0"/>
+              <a:t>要求者のプロトコルバージョン</a:t>
+            </a:r>
+          </a:p>
+        </p:txBody>
+      </p:sp>
+      <p:sp>
+        <p:nvSpPr>
+          <p:cNvPr id="11" name="テキスト ボックス 10">
+            <a:extLst>
+              <a:ext uri="{FF2B5EF4-FFF2-40B4-BE49-F238E27FC236}">
+                <a16:creationId xmlns:a16="http://schemas.microsoft.com/office/drawing/2014/main" id="{2DAB1A2E-98C6-4A6F-B788-C13C7DBF7284}"/>
+              </a:ext>
+            </a:extLst>
+          </p:cNvPr>
+          <p:cNvSpPr txBox="1"/>
+          <p:nvPr/>
+        </p:nvSpPr>
+        <p:spPr>
+          <a:xfrm>
+            <a:off x="6174647" y="4342421"/>
+            <a:ext cx="5368604" cy="276999"/>
+          </a:xfrm>
+          <a:prstGeom prst="rect">
+            <a:avLst/>
+          </a:prstGeom>
+          <a:noFill/>
+        </p:spPr>
+        <p:txBody>
+          <a:bodyPr wrap="square" rtlCol="0">
+            <a:spAutoFit/>
+          </a:bodyPr>
+          <a:lstStyle/>
+          <a:p>
+            <a:r>
+              <a:rPr kumimoji="1" lang="ja-JP" altLang="en-US" sz="1200" dirty="0"/>
+              <a:t>要求者のデバイス名</a:t>
+            </a:r>
+          </a:p>
+        </p:txBody>
+      </p:sp>
+      <p:sp>
+        <p:nvSpPr>
+          <p:cNvPr id="12" name="テキスト ボックス 11">
+            <a:extLst>
+              <a:ext uri="{FF2B5EF4-FFF2-40B4-BE49-F238E27FC236}">
+                <a16:creationId xmlns:a16="http://schemas.microsoft.com/office/drawing/2014/main" id="{616CED65-0F87-476A-9812-6DEF219EB8A8}"/>
+              </a:ext>
+            </a:extLst>
+          </p:cNvPr>
+          <p:cNvSpPr txBox="1"/>
+          <p:nvPr/>
+        </p:nvSpPr>
+        <p:spPr>
+          <a:xfrm>
+            <a:off x="6174647" y="4521634"/>
+            <a:ext cx="5368604" cy="276999"/>
+          </a:xfrm>
+          <a:prstGeom prst="rect">
+            <a:avLst/>
+          </a:prstGeom>
+          <a:noFill/>
+        </p:spPr>
+        <p:txBody>
+          <a:bodyPr wrap="square" rtlCol="0">
+            <a:spAutoFit/>
+          </a:bodyPr>
+          <a:lstStyle/>
+          <a:p>
+            <a:r>
+              <a:rPr kumimoji="1" lang="ja-JP" altLang="en-US" sz="1200" dirty="0"/>
+              <a:t>要求者が提示した</a:t>
+            </a:r>
+            <a:r>
+              <a:rPr lang="ja-JP" altLang="en-US" sz="1200" dirty="0"/>
+              <a:t>「アプリケーションで使ってほしいポート番号」</a:t>
+            </a:r>
+            <a:endParaRPr kumimoji="1" lang="ja-JP" altLang="en-US" sz="1200" dirty="0"/>
+          </a:p>
+        </p:txBody>
+      </p:sp>
+      <p:sp>
+        <p:nvSpPr>
+          <p:cNvPr id="13" name="正方形/長方形 12">
+            <a:extLst>
+              <a:ext uri="{FF2B5EF4-FFF2-40B4-BE49-F238E27FC236}">
+                <a16:creationId xmlns:a16="http://schemas.microsoft.com/office/drawing/2014/main" id="{4F90A004-E6E8-43A4-93B1-017B7F8B187F}"/>
+              </a:ext>
+            </a:extLst>
+          </p:cNvPr>
+          <p:cNvSpPr/>
+          <p:nvPr/>
+        </p:nvSpPr>
+        <p:spPr>
+          <a:xfrm>
+            <a:off x="981512" y="3642999"/>
+            <a:ext cx="10066789" cy="1155634"/>
+          </a:xfrm>
+          <a:prstGeom prst="rect">
+            <a:avLst/>
+          </a:prstGeom>
+          <a:noFill/>
+          <a:ln>
+            <a:solidFill>
+              <a:srgbClr val="FF0000"/>
+            </a:solidFill>
+          </a:ln>
+        </p:spPr>
+        <p:style>
+          <a:lnRef idx="2">
+            <a:schemeClr val="accent1">
+              <a:shade val="50000"/>
+            </a:schemeClr>
+          </a:lnRef>
+          <a:fillRef idx="1">
+            <a:schemeClr val="accent1"/>
+          </a:fillRef>
+          <a:effectRef idx="0">
+            <a:schemeClr val="accent1"/>
+          </a:effectRef>
+          <a:fontRef idx="minor">
+            <a:schemeClr val="lt1"/>
+          </a:fontRef>
+        </p:style>
+        <p:txBody>
+          <a:bodyPr rtlCol="0" anchor="ctr"/>
+          <a:lstStyle/>
+          <a:p>
+            <a:pPr algn="ctr"/>
+            <a:endParaRPr kumimoji="1" lang="ja-JP" altLang="en-US"/>
+          </a:p>
+        </p:txBody>
+      </p:sp>
+      <p:sp>
+        <p:nvSpPr>
+          <p:cNvPr id="14" name="正方形/長方形 13">
+            <a:extLst>
+              <a:ext uri="{FF2B5EF4-FFF2-40B4-BE49-F238E27FC236}">
+                <a16:creationId xmlns:a16="http://schemas.microsoft.com/office/drawing/2014/main" id="{43171573-74E9-47E0-ACF5-D594B2D763D7}"/>
+              </a:ext>
+            </a:extLst>
+          </p:cNvPr>
+          <p:cNvSpPr/>
+          <p:nvPr/>
+        </p:nvSpPr>
+        <p:spPr>
+          <a:xfrm>
+            <a:off x="992349" y="2684478"/>
+            <a:ext cx="10066789" cy="919988"/>
+          </a:xfrm>
+          <a:prstGeom prst="rect">
+            <a:avLst/>
+          </a:prstGeom>
+          <a:noFill/>
+          <a:ln>
+            <a:solidFill>
+              <a:srgbClr val="FFFF00"/>
+            </a:solidFill>
+          </a:ln>
+        </p:spPr>
+        <p:style>
+          <a:lnRef idx="2">
+            <a:schemeClr val="accent1">
+              <a:shade val="50000"/>
+            </a:schemeClr>
+          </a:lnRef>
+          <a:fillRef idx="1">
+            <a:schemeClr val="accent1"/>
+          </a:fillRef>
+          <a:effectRef idx="0">
+            <a:schemeClr val="accent1"/>
+          </a:effectRef>
+          <a:fontRef idx="minor">
+            <a:schemeClr val="lt1"/>
+          </a:fontRef>
+        </p:style>
+        <p:txBody>
+          <a:bodyPr rtlCol="0" anchor="ctr"/>
+          <a:lstStyle/>
+          <a:p>
+            <a:pPr algn="ctr"/>
+            <a:endParaRPr kumimoji="1" lang="ja-JP" altLang="en-US"/>
+          </a:p>
+        </p:txBody>
+      </p:sp>
+      <p:sp>
+        <p:nvSpPr>
+          <p:cNvPr id="15" name="テキスト ボックス 14">
+            <a:extLst>
+              <a:ext uri="{FF2B5EF4-FFF2-40B4-BE49-F238E27FC236}">
+                <a16:creationId xmlns:a16="http://schemas.microsoft.com/office/drawing/2014/main" id="{09D3BD56-16E0-409B-93C7-CEC7BB57E144}"/>
+              </a:ext>
+            </a:extLst>
+          </p:cNvPr>
+          <p:cNvSpPr txBox="1"/>
+          <p:nvPr/>
+        </p:nvSpPr>
+        <p:spPr>
+          <a:xfrm>
+            <a:off x="328918" y="3005972"/>
+            <a:ext cx="3506598" cy="276999"/>
+          </a:xfrm>
+          <a:prstGeom prst="rect">
+            <a:avLst/>
+          </a:prstGeom>
+          <a:noFill/>
+        </p:spPr>
+        <p:txBody>
+          <a:bodyPr wrap="square" rtlCol="0">
+            <a:spAutoFit/>
+          </a:bodyPr>
+          <a:lstStyle/>
+          <a:p>
+            <a:r>
+              <a:rPr kumimoji="1" lang="ja-JP" altLang="en-US" sz="1200" dirty="0"/>
+              <a:t>設定</a:t>
+            </a:r>
+          </a:p>
+        </p:txBody>
+      </p:sp>
+      <p:sp>
+        <p:nvSpPr>
+          <p:cNvPr id="16" name="テキスト ボックス 15">
+            <a:extLst>
+              <a:ext uri="{FF2B5EF4-FFF2-40B4-BE49-F238E27FC236}">
+                <a16:creationId xmlns:a16="http://schemas.microsoft.com/office/drawing/2014/main" id="{4055E400-B3E1-4FCB-92BE-978B8C424482}"/>
+              </a:ext>
+            </a:extLst>
+          </p:cNvPr>
+          <p:cNvSpPr txBox="1"/>
+          <p:nvPr/>
+        </p:nvSpPr>
+        <p:spPr>
+          <a:xfrm>
+            <a:off x="328918" y="4041696"/>
+            <a:ext cx="3506598" cy="276999"/>
+          </a:xfrm>
+          <a:prstGeom prst="rect">
+            <a:avLst/>
+          </a:prstGeom>
+          <a:noFill/>
+        </p:spPr>
+        <p:txBody>
+          <a:bodyPr wrap="square" rtlCol="0">
+            <a:spAutoFit/>
+          </a:bodyPr>
+          <a:lstStyle/>
+          <a:p>
+            <a:r>
+              <a:rPr kumimoji="1" lang="ja-JP" altLang="en-US" sz="1200" dirty="0"/>
+              <a:t>結果</a:t>
+            </a:r>
+          </a:p>
+        </p:txBody>
+      </p:sp>
+    </p:spTree>
+    <p:extLst>
+      <p:ext uri="{BB962C8B-B14F-4D97-AF65-F5344CB8AC3E}">
+        <p14:creationId xmlns:p14="http://schemas.microsoft.com/office/powerpoint/2010/main" val="1815797528"/>
+      </p:ext>
+    </p:extLst>
+  </p:cSld>
+  <p:clrMapOvr>
+    <a:masterClrMapping/>
+  </p:clrMapOvr>
+</p:sld>
+</file>
+
+<file path=ppt/slides/slide3.xml><?xml version="1.0" encoding="utf-8"?>
+<p:sld xmlns:a="http://schemas.openxmlformats.org/drawingml/2006/main" xmlns:r="http://schemas.openxmlformats.org/officeDocument/2006/relationships" xmlns:p="http://schemas.openxmlformats.org/presentationml/2006/main">
+  <p:cSld>
+    <p:spTree>
+      <p:nvGrpSpPr>
+        <p:cNvPr id="1" name=""/>
+        <p:cNvGrpSpPr/>
+        <p:nvPr/>
+      </p:nvGrpSpPr>
+      <p:grpSpPr>
+        <a:xfrm>
+          <a:off x="0" y="0"/>
+          <a:ext cx="0" cy="0"/>
+          <a:chOff x="0" y="0"/>
+          <a:chExt cx="0" cy="0"/>
+        </a:xfrm>
+      </p:grpSpPr>
+      <p:pic>
+        <p:nvPicPr>
+          <p:cNvPr id="4" name="図 3">
+            <a:extLst>
+              <a:ext uri="{FF2B5EF4-FFF2-40B4-BE49-F238E27FC236}">
+                <a16:creationId xmlns:a16="http://schemas.microsoft.com/office/drawing/2014/main" id="{440C1578-C53A-45A8-882F-4DD2321A9C08}"/>
+              </a:ext>
+            </a:extLst>
+          </p:cNvPr>
+          <p:cNvPicPr>
+            <a:picLocks noChangeAspect="1"/>
+          </p:cNvPicPr>
+          <p:nvPr/>
+        </p:nvPicPr>
+        <p:blipFill>
+          <a:blip r:embed="rId2"/>
+          <a:stretch>
+            <a:fillRect/>
+          </a:stretch>
+        </p:blipFill>
+        <p:spPr>
+          <a:xfrm>
+            <a:off x="987936" y="2271857"/>
+            <a:ext cx="5191125" cy="3048000"/>
+          </a:xfrm>
+          <a:prstGeom prst="rect">
+            <a:avLst/>
+          </a:prstGeom>
+        </p:spPr>
+      </p:pic>
+      <p:sp>
+        <p:nvSpPr>
+          <p:cNvPr id="6" name="テキスト ボックス 5">
+            <a:extLst>
+              <a:ext uri="{FF2B5EF4-FFF2-40B4-BE49-F238E27FC236}">
+                <a16:creationId xmlns:a16="http://schemas.microsoft.com/office/drawing/2014/main" id="{5C07A9BF-8E2C-406E-8AE0-27DDA43D55B6}"/>
+              </a:ext>
+            </a:extLst>
+          </p:cNvPr>
+          <p:cNvSpPr txBox="1"/>
+          <p:nvPr/>
+        </p:nvSpPr>
+        <p:spPr>
+          <a:xfrm>
+            <a:off x="6174646" y="2785145"/>
+            <a:ext cx="4884491" cy="276999"/>
+          </a:xfrm>
+          <a:prstGeom prst="rect">
+            <a:avLst/>
+          </a:prstGeom>
+          <a:noFill/>
+        </p:spPr>
+        <p:txBody>
+          <a:bodyPr wrap="square" rtlCol="0">
+            <a:spAutoFit/>
+          </a:bodyPr>
+          <a:lstStyle/>
+          <a:p>
+            <a:r>
+              <a:rPr kumimoji="1" lang="ja-JP" altLang="en-US" sz="1200" dirty="0"/>
+              <a:t>探索に使用するポート</a:t>
+            </a:r>
+            <a:r>
+              <a:rPr kumimoji="1" lang="en-US" altLang="ja-JP" sz="1200" dirty="0"/>
+              <a:t>(</a:t>
+            </a:r>
+            <a:r>
+              <a:rPr kumimoji="1" lang="ja-JP" altLang="en-US" sz="1200" dirty="0"/>
+              <a:t>応答側と同じポートを設定すること</a:t>
+            </a:r>
+            <a:r>
+              <a:rPr kumimoji="1" lang="en-US" altLang="ja-JP" sz="1200" dirty="0"/>
+              <a:t>)</a:t>
+            </a:r>
+            <a:endParaRPr kumimoji="1" lang="ja-JP" altLang="en-US" sz="1200" dirty="0"/>
+          </a:p>
+        </p:txBody>
+      </p:sp>
+      <p:sp>
+        <p:nvSpPr>
+          <p:cNvPr id="7" name="テキスト ボックス 6">
+            <a:extLst>
+              <a:ext uri="{FF2B5EF4-FFF2-40B4-BE49-F238E27FC236}">
+                <a16:creationId xmlns:a16="http://schemas.microsoft.com/office/drawing/2014/main" id="{455B1C33-9C29-410A-8324-9BC82D142C4F}"/>
+              </a:ext>
+            </a:extLst>
+          </p:cNvPr>
+          <p:cNvSpPr txBox="1"/>
+          <p:nvPr/>
+        </p:nvSpPr>
+        <p:spPr>
+          <a:xfrm>
+            <a:off x="6176045" y="3172436"/>
+            <a:ext cx="3506598" cy="276999"/>
+          </a:xfrm>
+          <a:prstGeom prst="rect">
+            <a:avLst/>
+          </a:prstGeom>
+          <a:noFill/>
+        </p:spPr>
+        <p:txBody>
+          <a:bodyPr wrap="square" rtlCol="0">
+            <a:spAutoFit/>
+          </a:bodyPr>
+          <a:lstStyle/>
+          <a:p>
+            <a:r>
+              <a:rPr kumimoji="1" lang="ja-JP" altLang="en-US" sz="1200" dirty="0"/>
+              <a:t>探索の際に通知するデバイス名</a:t>
+            </a:r>
+          </a:p>
+        </p:txBody>
+      </p:sp>
+      <p:sp>
+        <p:nvSpPr>
+          <p:cNvPr id="8" name="テキスト ボックス 7">
+            <a:extLst>
+              <a:ext uri="{FF2B5EF4-FFF2-40B4-BE49-F238E27FC236}">
+                <a16:creationId xmlns:a16="http://schemas.microsoft.com/office/drawing/2014/main" id="{0AED00C2-C592-4400-85D1-22BCDB6D7E45}"/>
+              </a:ext>
+            </a:extLst>
+          </p:cNvPr>
+          <p:cNvSpPr txBox="1"/>
+          <p:nvPr/>
+        </p:nvSpPr>
+        <p:spPr>
+          <a:xfrm>
+            <a:off x="6174647" y="3366000"/>
+            <a:ext cx="5368604" cy="276999"/>
+          </a:xfrm>
+          <a:prstGeom prst="rect">
+            <a:avLst/>
+          </a:prstGeom>
+          <a:noFill/>
+        </p:spPr>
+        <p:txBody>
+          <a:bodyPr wrap="square" rtlCol="0">
+            <a:spAutoFit/>
+          </a:bodyPr>
+          <a:lstStyle/>
+          <a:p>
+            <a:r>
+              <a:rPr kumimoji="1" lang="ja-JP" altLang="en-US" sz="1200" dirty="0"/>
+              <a:t>探索</a:t>
+            </a:r>
+            <a:r>
+              <a:rPr lang="ja-JP" altLang="en-US" sz="1200" dirty="0"/>
+              <a:t>の際に通知する</a:t>
+            </a:r>
+            <a:r>
+              <a:rPr kumimoji="1" lang="ja-JP" altLang="en-US" sz="1200" dirty="0"/>
+              <a:t>「アプリケーションで使ってほしいポート番号」</a:t>
+            </a:r>
+          </a:p>
+        </p:txBody>
+      </p:sp>
+      <p:sp>
+        <p:nvSpPr>
+          <p:cNvPr id="9" name="テキスト ボックス 8">
+            <a:extLst>
+              <a:ext uri="{FF2B5EF4-FFF2-40B4-BE49-F238E27FC236}">
+                <a16:creationId xmlns:a16="http://schemas.microsoft.com/office/drawing/2014/main" id="{0754E539-4CBA-4454-B157-7F537F05B81F}"/>
+              </a:ext>
+            </a:extLst>
+          </p:cNvPr>
+          <p:cNvSpPr txBox="1"/>
+          <p:nvPr/>
+        </p:nvSpPr>
+        <p:spPr>
+          <a:xfrm>
+            <a:off x="6174647" y="3753291"/>
+            <a:ext cx="5368604" cy="276999"/>
+          </a:xfrm>
+          <a:prstGeom prst="rect">
+            <a:avLst/>
+          </a:prstGeom>
+          <a:noFill/>
+        </p:spPr>
+        <p:txBody>
+          <a:bodyPr wrap="square" rtlCol="0">
+            <a:spAutoFit/>
+          </a:bodyPr>
+          <a:lstStyle/>
+          <a:p>
+            <a:r>
+              <a:rPr kumimoji="1" lang="ja-JP" altLang="en-US" sz="1200" dirty="0"/>
+              <a:t>応答者の</a:t>
+            </a:r>
+            <a:r>
+              <a:rPr kumimoji="1" lang="en-US" altLang="ja-JP" sz="1200" dirty="0"/>
+              <a:t>IP</a:t>
+            </a:r>
+            <a:r>
+              <a:rPr kumimoji="1" lang="ja-JP" altLang="en-US" sz="1200" dirty="0"/>
+              <a:t>アドレス</a:t>
+            </a:r>
+          </a:p>
+        </p:txBody>
+      </p:sp>
+      <p:sp>
+        <p:nvSpPr>
+          <p:cNvPr id="10" name="テキスト ボックス 9">
+            <a:extLst>
+              <a:ext uri="{FF2B5EF4-FFF2-40B4-BE49-F238E27FC236}">
+                <a16:creationId xmlns:a16="http://schemas.microsoft.com/office/drawing/2014/main" id="{EF6C2E1C-D4C2-4217-A7C4-40E1DB43372A}"/>
+              </a:ext>
+            </a:extLst>
+          </p:cNvPr>
+          <p:cNvSpPr txBox="1"/>
+          <p:nvPr/>
+        </p:nvSpPr>
+        <p:spPr>
+          <a:xfrm>
+            <a:off x="6174647" y="3946855"/>
+            <a:ext cx="5368604" cy="276999"/>
+          </a:xfrm>
+          <a:prstGeom prst="rect">
+            <a:avLst/>
+          </a:prstGeom>
+          <a:noFill/>
+        </p:spPr>
+        <p:txBody>
+          <a:bodyPr wrap="square" rtlCol="0">
+            <a:spAutoFit/>
+          </a:bodyPr>
+          <a:lstStyle/>
+          <a:p>
+            <a:r>
+              <a:rPr lang="ja-JP" altLang="en-US" sz="1200" dirty="0"/>
+              <a:t>応答</a:t>
+            </a:r>
+            <a:r>
+              <a:rPr kumimoji="1" lang="ja-JP" altLang="en-US" sz="1200" dirty="0"/>
+              <a:t>者のプロトコルバージョン</a:t>
+            </a:r>
+          </a:p>
+        </p:txBody>
+      </p:sp>
+      <p:sp>
+        <p:nvSpPr>
+          <p:cNvPr id="11" name="テキスト ボックス 10">
+            <a:extLst>
+              <a:ext uri="{FF2B5EF4-FFF2-40B4-BE49-F238E27FC236}">
+                <a16:creationId xmlns:a16="http://schemas.microsoft.com/office/drawing/2014/main" id="{6FEE154D-278D-423C-A1A1-FB6FEE19B657}"/>
+              </a:ext>
+            </a:extLst>
+          </p:cNvPr>
+          <p:cNvSpPr txBox="1"/>
+          <p:nvPr/>
+        </p:nvSpPr>
+        <p:spPr>
+          <a:xfrm>
+            <a:off x="6174646" y="4493293"/>
+            <a:ext cx="5368604" cy="276999"/>
+          </a:xfrm>
+          <a:prstGeom prst="rect">
+            <a:avLst/>
+          </a:prstGeom>
+          <a:noFill/>
+        </p:spPr>
+        <p:txBody>
+          <a:bodyPr wrap="square" rtlCol="0">
+            <a:spAutoFit/>
+          </a:bodyPr>
+          <a:lstStyle/>
+          <a:p>
+            <a:r>
+              <a:rPr lang="ja-JP" altLang="en-US" sz="1200" dirty="0"/>
+              <a:t>応答</a:t>
+            </a:r>
+            <a:r>
+              <a:rPr kumimoji="1" lang="ja-JP" altLang="en-US" sz="1200" dirty="0"/>
+              <a:t>者のデバイス名</a:t>
+            </a:r>
+          </a:p>
+        </p:txBody>
+      </p:sp>
+      <p:sp>
+        <p:nvSpPr>
+          <p:cNvPr id="12" name="テキスト ボックス 11">
+            <a:extLst>
+              <a:ext uri="{FF2B5EF4-FFF2-40B4-BE49-F238E27FC236}">
+                <a16:creationId xmlns:a16="http://schemas.microsoft.com/office/drawing/2014/main" id="{EC2FF77D-67EE-4B0B-8685-ECB2CF0A0C8B}"/>
+              </a:ext>
+            </a:extLst>
+          </p:cNvPr>
+          <p:cNvSpPr txBox="1"/>
+          <p:nvPr/>
+        </p:nvSpPr>
+        <p:spPr>
+          <a:xfrm>
+            <a:off x="6174646" y="4672506"/>
+            <a:ext cx="5368604" cy="276999"/>
+          </a:xfrm>
+          <a:prstGeom prst="rect">
+            <a:avLst/>
+          </a:prstGeom>
+          <a:noFill/>
+        </p:spPr>
+        <p:txBody>
+          <a:bodyPr wrap="square" rtlCol="0">
+            <a:spAutoFit/>
+          </a:bodyPr>
+          <a:lstStyle/>
+          <a:p>
+            <a:r>
+              <a:rPr lang="ja-JP" altLang="en-US" sz="1200" dirty="0"/>
+              <a:t>応答</a:t>
+            </a:r>
+            <a:r>
+              <a:rPr kumimoji="1" lang="ja-JP" altLang="en-US" sz="1200" dirty="0"/>
+              <a:t>者が提示した</a:t>
+            </a:r>
+            <a:r>
+              <a:rPr lang="ja-JP" altLang="en-US" sz="1200" dirty="0"/>
+              <a:t>「アプリケーションで使ってほしいポート番号」</a:t>
+            </a:r>
+            <a:endParaRPr kumimoji="1" lang="ja-JP" altLang="en-US" sz="1200" dirty="0"/>
+          </a:p>
+        </p:txBody>
+      </p:sp>
+      <p:sp>
+        <p:nvSpPr>
+          <p:cNvPr id="13" name="正方形/長方形 12">
+            <a:extLst>
+              <a:ext uri="{FF2B5EF4-FFF2-40B4-BE49-F238E27FC236}">
+                <a16:creationId xmlns:a16="http://schemas.microsoft.com/office/drawing/2014/main" id="{1EDFA549-F48C-4A8E-A214-4EBB7FCDCEE5}"/>
+              </a:ext>
+            </a:extLst>
+          </p:cNvPr>
+          <p:cNvSpPr/>
+          <p:nvPr/>
+        </p:nvSpPr>
+        <p:spPr>
+          <a:xfrm>
+            <a:off x="981512" y="3642999"/>
+            <a:ext cx="10066789" cy="1306506"/>
+          </a:xfrm>
+          <a:prstGeom prst="rect">
+            <a:avLst/>
+          </a:prstGeom>
+          <a:noFill/>
+          <a:ln>
+            <a:solidFill>
+              <a:srgbClr val="FF0000"/>
+            </a:solidFill>
+          </a:ln>
+        </p:spPr>
+        <p:style>
+          <a:lnRef idx="2">
+            <a:schemeClr val="accent1">
+              <a:shade val="50000"/>
+            </a:schemeClr>
+          </a:lnRef>
+          <a:fillRef idx="1">
+            <a:schemeClr val="accent1"/>
+          </a:fillRef>
+          <a:effectRef idx="0">
+            <a:schemeClr val="accent1"/>
+          </a:effectRef>
+          <a:fontRef idx="minor">
+            <a:schemeClr val="lt1"/>
+          </a:fontRef>
+        </p:style>
+        <p:txBody>
+          <a:bodyPr rtlCol="0" anchor="ctr"/>
+          <a:lstStyle/>
+          <a:p>
+            <a:pPr algn="ctr"/>
+            <a:endParaRPr kumimoji="1" lang="ja-JP" altLang="en-US"/>
+          </a:p>
+        </p:txBody>
+      </p:sp>
+      <p:sp>
+        <p:nvSpPr>
+          <p:cNvPr id="14" name="正方形/長方形 13">
+            <a:extLst>
+              <a:ext uri="{FF2B5EF4-FFF2-40B4-BE49-F238E27FC236}">
+                <a16:creationId xmlns:a16="http://schemas.microsoft.com/office/drawing/2014/main" id="{D0D0B286-59C7-4CAD-8F30-AE979102065D}"/>
+              </a:ext>
+            </a:extLst>
+          </p:cNvPr>
+          <p:cNvSpPr/>
+          <p:nvPr/>
+        </p:nvSpPr>
+        <p:spPr>
+          <a:xfrm>
+            <a:off x="992349" y="2684478"/>
+            <a:ext cx="10066789" cy="919988"/>
+          </a:xfrm>
+          <a:prstGeom prst="rect">
+            <a:avLst/>
+          </a:prstGeom>
+          <a:noFill/>
+          <a:ln>
+            <a:solidFill>
+              <a:srgbClr val="FFFF00"/>
+            </a:solidFill>
+          </a:ln>
+        </p:spPr>
+        <p:style>
+          <a:lnRef idx="2">
+            <a:schemeClr val="accent1">
+              <a:shade val="50000"/>
+            </a:schemeClr>
+          </a:lnRef>
+          <a:fillRef idx="1">
+            <a:schemeClr val="accent1"/>
+          </a:fillRef>
+          <a:effectRef idx="0">
+            <a:schemeClr val="accent1"/>
+          </a:effectRef>
+          <a:fontRef idx="minor">
+            <a:schemeClr val="lt1"/>
+          </a:fontRef>
+        </p:style>
+        <p:txBody>
+          <a:bodyPr rtlCol="0" anchor="ctr"/>
+          <a:lstStyle/>
+          <a:p>
+            <a:pPr algn="ctr"/>
+            <a:endParaRPr kumimoji="1" lang="ja-JP" altLang="en-US"/>
+          </a:p>
+        </p:txBody>
+      </p:sp>
+      <p:sp>
+        <p:nvSpPr>
+          <p:cNvPr id="15" name="テキスト ボックス 14">
+            <a:extLst>
+              <a:ext uri="{FF2B5EF4-FFF2-40B4-BE49-F238E27FC236}">
+                <a16:creationId xmlns:a16="http://schemas.microsoft.com/office/drawing/2014/main" id="{BAF2FA91-C47E-41D7-B75A-22669C67CF82}"/>
+              </a:ext>
+            </a:extLst>
+          </p:cNvPr>
+          <p:cNvSpPr txBox="1"/>
+          <p:nvPr/>
+        </p:nvSpPr>
+        <p:spPr>
+          <a:xfrm>
+            <a:off x="328918" y="3005972"/>
+            <a:ext cx="3506598" cy="276999"/>
+          </a:xfrm>
+          <a:prstGeom prst="rect">
+            <a:avLst/>
+          </a:prstGeom>
+          <a:noFill/>
+        </p:spPr>
+        <p:txBody>
+          <a:bodyPr wrap="square" rtlCol="0">
+            <a:spAutoFit/>
+          </a:bodyPr>
+          <a:lstStyle/>
+          <a:p>
+            <a:r>
+              <a:rPr kumimoji="1" lang="ja-JP" altLang="en-US" sz="1200" dirty="0"/>
+              <a:t>設定</a:t>
+            </a:r>
+          </a:p>
+        </p:txBody>
+      </p:sp>
+      <p:sp>
+        <p:nvSpPr>
+          <p:cNvPr id="16" name="テキスト ボックス 15">
+            <a:extLst>
+              <a:ext uri="{FF2B5EF4-FFF2-40B4-BE49-F238E27FC236}">
+                <a16:creationId xmlns:a16="http://schemas.microsoft.com/office/drawing/2014/main" id="{037BD7EA-7636-42A9-BE0C-BC86318BB55A}"/>
+              </a:ext>
+            </a:extLst>
+          </p:cNvPr>
+          <p:cNvSpPr txBox="1"/>
+          <p:nvPr/>
+        </p:nvSpPr>
+        <p:spPr>
+          <a:xfrm>
+            <a:off x="328918" y="4041696"/>
+            <a:ext cx="3506598" cy="276999"/>
+          </a:xfrm>
+          <a:prstGeom prst="rect">
+            <a:avLst/>
+          </a:prstGeom>
+          <a:noFill/>
+        </p:spPr>
+        <p:txBody>
+          <a:bodyPr wrap="square" rtlCol="0">
+            <a:spAutoFit/>
+          </a:bodyPr>
+          <a:lstStyle/>
+          <a:p>
+            <a:r>
+              <a:rPr kumimoji="1" lang="ja-JP" altLang="en-US" sz="1200" dirty="0"/>
+              <a:t>結果</a:t>
+            </a:r>
+          </a:p>
+        </p:txBody>
+      </p:sp>
+      <p:sp>
+        <p:nvSpPr>
+          <p:cNvPr id="17" name="テキスト ボックス 16">
+            <a:extLst>
+              <a:ext uri="{FF2B5EF4-FFF2-40B4-BE49-F238E27FC236}">
+                <a16:creationId xmlns:a16="http://schemas.microsoft.com/office/drawing/2014/main" id="{E6DB3D3E-C6BD-485C-9203-5AC582930062}"/>
+              </a:ext>
+            </a:extLst>
+          </p:cNvPr>
+          <p:cNvSpPr txBox="1"/>
+          <p:nvPr/>
+        </p:nvSpPr>
+        <p:spPr>
+          <a:xfrm>
+            <a:off x="6185485" y="4109252"/>
+            <a:ext cx="5368604" cy="276999"/>
+          </a:xfrm>
+          <a:prstGeom prst="rect">
+            <a:avLst/>
+          </a:prstGeom>
+          <a:noFill/>
+        </p:spPr>
+        <p:txBody>
+          <a:bodyPr wrap="square" rtlCol="0">
+            <a:spAutoFit/>
+          </a:bodyPr>
+          <a:lstStyle/>
+          <a:p>
+            <a:r>
+              <a:rPr lang="ja-JP" altLang="en-US" sz="1200" dirty="0"/>
+              <a:t>応答</a:t>
+            </a:r>
+            <a:r>
+              <a:rPr kumimoji="1" lang="ja-JP" altLang="en-US" sz="1200" dirty="0"/>
+              <a:t>者の数</a:t>
+            </a:r>
+            <a:r>
+              <a:rPr kumimoji="1" lang="en-US" altLang="ja-JP" sz="1200" dirty="0"/>
+              <a:t>(</a:t>
+            </a:r>
+            <a:r>
+              <a:rPr kumimoji="1" lang="ja-JP" altLang="en-US" sz="1200" dirty="0"/>
+              <a:t>現在何番目の結果か</a:t>
+            </a:r>
+            <a:r>
+              <a:rPr kumimoji="1" lang="en-US" altLang="ja-JP" sz="1200" dirty="0"/>
+              <a:t>)</a:t>
+            </a:r>
+            <a:endParaRPr kumimoji="1" lang="ja-JP" altLang="en-US" sz="1200" dirty="0"/>
+          </a:p>
+        </p:txBody>
+      </p:sp>
+      <p:sp>
+        <p:nvSpPr>
+          <p:cNvPr id="18" name="テキスト ボックス 17">
+            <a:extLst>
+              <a:ext uri="{FF2B5EF4-FFF2-40B4-BE49-F238E27FC236}">
+                <a16:creationId xmlns:a16="http://schemas.microsoft.com/office/drawing/2014/main" id="{ED104CC4-2B3C-4C7C-838A-44660E63F668}"/>
+              </a:ext>
+            </a:extLst>
+          </p:cNvPr>
+          <p:cNvSpPr txBox="1"/>
+          <p:nvPr/>
+        </p:nvSpPr>
+        <p:spPr>
+          <a:xfrm>
+            <a:off x="6174646" y="5082854"/>
+            <a:ext cx="5368604" cy="276999"/>
+          </a:xfrm>
+          <a:prstGeom prst="rect">
+            <a:avLst/>
+          </a:prstGeom>
+          <a:noFill/>
+        </p:spPr>
+        <p:txBody>
+          <a:bodyPr wrap="square" rtlCol="0">
+            <a:spAutoFit/>
+          </a:bodyPr>
+          <a:lstStyle/>
+          <a:p>
+            <a:r>
+              <a:rPr kumimoji="1" lang="ja-JP" altLang="en-US" sz="1200" dirty="0"/>
+              <a:t>テスト実行用チェックボックス</a:t>
+            </a:r>
+            <a:r>
+              <a:rPr kumimoji="1" lang="en-US" altLang="ja-JP" sz="1200" dirty="0"/>
+              <a:t>(</a:t>
+            </a:r>
+            <a:r>
+              <a:rPr kumimoji="1" lang="ja-JP" altLang="en-US" sz="1200" dirty="0"/>
+              <a:t>実行中にオンで探索を</a:t>
+            </a:r>
+            <a:r>
+              <a:rPr kumimoji="1" lang="en-US" altLang="ja-JP" sz="1200" dirty="0"/>
+              <a:t>1</a:t>
+            </a:r>
+            <a:r>
+              <a:rPr kumimoji="1" lang="ja-JP" altLang="en-US" sz="1200"/>
+              <a:t>回実行する</a:t>
+            </a:r>
+            <a:r>
+              <a:rPr kumimoji="1" lang="en-US" altLang="ja-JP" sz="1200"/>
+              <a:t>)</a:t>
+            </a:r>
+            <a:endParaRPr kumimoji="1" lang="ja-JP" altLang="en-US" sz="1200" dirty="0"/>
+          </a:p>
+        </p:txBody>
+      </p:sp>
+    </p:spTree>
+    <p:extLst>
+      <p:ext uri="{BB962C8B-B14F-4D97-AF65-F5344CB8AC3E}">
+        <p14:creationId xmlns:p14="http://schemas.microsoft.com/office/powerpoint/2010/main" val="3979697292"/>
+      </p:ext>
+    </p:extLst>
+  </p:cSld>
+  <p:clrMapOvr>
+    <a:masterClrMapping/>
+  </p:clrMapOvr>
+</p:sld>
+</file>
+
 <file path=ppt/theme/theme1.xml><?xml version="1.0" encoding="utf-8"?>
 <a:theme xmlns:a="http://schemas.openxmlformats.org/drawingml/2006/main" name="Office テーマ">
   <a:themeElements>
